--- a/lecture-materials/0_architect_related/CloudNative_vs_CloudAgnostic/cloudNative_vs_CloudAgnostic.pptx
+++ b/lecture-materials/0_architect_related/CloudNative_vs_CloudAgnostic/cloudNative_vs_CloudAgnostic.pptx
@@ -15,6 +15,7 @@
     <p:sldId id="263" r:id="rId9"/>
     <p:sldId id="264" r:id="rId10"/>
     <p:sldId id="265" r:id="rId11"/>
+    <p:sldId id="266" r:id="rId12"/>
   </p:sldIdLst>
   <p:sldSz cx="12192000" cy="6858000"/>
   <p:notesSz cx="6858000" cy="9144000"/>
@@ -7548,7 +7549,7 @@
           <a:p>
             <a:fld id="{D4570782-5E28-0A41-8AE8-BE27310018EE}" type="datetimeFigureOut">
               <a:rPr lang="en-CH" smtClean="0"/>
-              <a:t>25.11.2023</a:t>
+              <a:t>04.12.2023</a:t>
             </a:fld>
             <a:endParaRPr lang="en-CH"/>
           </a:p>
@@ -7748,7 +7749,7 @@
           <a:p>
             <a:fld id="{D4570782-5E28-0A41-8AE8-BE27310018EE}" type="datetimeFigureOut">
               <a:rPr lang="en-CH" smtClean="0"/>
-              <a:t>25.11.2023</a:t>
+              <a:t>04.12.2023</a:t>
             </a:fld>
             <a:endParaRPr lang="en-CH"/>
           </a:p>
@@ -7958,7 +7959,7 @@
           <a:p>
             <a:fld id="{D4570782-5E28-0A41-8AE8-BE27310018EE}" type="datetimeFigureOut">
               <a:rPr lang="en-CH" smtClean="0"/>
-              <a:t>25.11.2023</a:t>
+              <a:t>04.12.2023</a:t>
             </a:fld>
             <a:endParaRPr lang="en-CH"/>
           </a:p>
@@ -8158,7 +8159,7 @@
           <a:p>
             <a:fld id="{D4570782-5E28-0A41-8AE8-BE27310018EE}" type="datetimeFigureOut">
               <a:rPr lang="en-CH" smtClean="0"/>
-              <a:t>25.11.2023</a:t>
+              <a:t>04.12.2023</a:t>
             </a:fld>
             <a:endParaRPr lang="en-CH"/>
           </a:p>
@@ -8434,7 +8435,7 @@
           <a:p>
             <a:fld id="{D4570782-5E28-0A41-8AE8-BE27310018EE}" type="datetimeFigureOut">
               <a:rPr lang="en-CH" smtClean="0"/>
-              <a:t>25.11.2023</a:t>
+              <a:t>04.12.2023</a:t>
             </a:fld>
             <a:endParaRPr lang="en-CH"/>
           </a:p>
@@ -8702,7 +8703,7 @@
           <a:p>
             <a:fld id="{D4570782-5E28-0A41-8AE8-BE27310018EE}" type="datetimeFigureOut">
               <a:rPr lang="en-CH" smtClean="0"/>
-              <a:t>25.11.2023</a:t>
+              <a:t>04.12.2023</a:t>
             </a:fld>
             <a:endParaRPr lang="en-CH"/>
           </a:p>
@@ -9117,7 +9118,7 @@
           <a:p>
             <a:fld id="{D4570782-5E28-0A41-8AE8-BE27310018EE}" type="datetimeFigureOut">
               <a:rPr lang="en-CH" smtClean="0"/>
-              <a:t>25.11.2023</a:t>
+              <a:t>04.12.2023</a:t>
             </a:fld>
             <a:endParaRPr lang="en-CH"/>
           </a:p>
@@ -9259,7 +9260,7 @@
           <a:p>
             <a:fld id="{D4570782-5E28-0A41-8AE8-BE27310018EE}" type="datetimeFigureOut">
               <a:rPr lang="en-CH" smtClean="0"/>
-              <a:t>25.11.2023</a:t>
+              <a:t>04.12.2023</a:t>
             </a:fld>
             <a:endParaRPr lang="en-CH"/>
           </a:p>
@@ -9372,7 +9373,7 @@
           <a:p>
             <a:fld id="{D4570782-5E28-0A41-8AE8-BE27310018EE}" type="datetimeFigureOut">
               <a:rPr lang="en-CH" smtClean="0"/>
-              <a:t>25.11.2023</a:t>
+              <a:t>04.12.2023</a:t>
             </a:fld>
             <a:endParaRPr lang="en-CH"/>
           </a:p>
@@ -9685,7 +9686,7 @@
           <a:p>
             <a:fld id="{D4570782-5E28-0A41-8AE8-BE27310018EE}" type="datetimeFigureOut">
               <a:rPr lang="en-CH" smtClean="0"/>
-              <a:t>25.11.2023</a:t>
+              <a:t>04.12.2023</a:t>
             </a:fld>
             <a:endParaRPr lang="en-CH"/>
           </a:p>
@@ -9974,7 +9975,7 @@
           <a:p>
             <a:fld id="{D4570782-5E28-0A41-8AE8-BE27310018EE}" type="datetimeFigureOut">
               <a:rPr lang="en-CH" smtClean="0"/>
-              <a:t>25.11.2023</a:t>
+              <a:t>04.12.2023</a:t>
             </a:fld>
             <a:endParaRPr lang="en-CH"/>
           </a:p>
@@ -10217,7 +10218,7 @@
           <a:p>
             <a:fld id="{D4570782-5E28-0A41-8AE8-BE27310018EE}" type="datetimeFigureOut">
               <a:rPr lang="en-CH" smtClean="0"/>
-              <a:t>25.11.2023</a:t>
+              <a:t>04.12.2023</a:t>
             </a:fld>
             <a:endParaRPr lang="en-CH"/>
           </a:p>
@@ -13033,6 +13034,184 @@
 </p:sld>
 </file>
 
+<file path=ppt/slides/slide11.xml><?xml version="1.0" encoding="utf-8"?>
+<p:sld xmlns:a="http://schemas.openxmlformats.org/drawingml/2006/main" xmlns:r="http://schemas.openxmlformats.org/officeDocument/2006/relationships" xmlns:p="http://schemas.openxmlformats.org/presentationml/2006/main">
+  <p:cSld>
+    <p:bg>
+      <p:bgPr>
+        <a:solidFill>
+          <a:schemeClr val="bg1"/>
+        </a:solidFill>
+        <a:effectLst/>
+      </p:bgPr>
+    </p:bg>
+    <p:spTree>
+      <p:nvGrpSpPr>
+        <p:cNvPr id="1" name=""/>
+        <p:cNvGrpSpPr/>
+        <p:nvPr/>
+      </p:nvGrpSpPr>
+      <p:grpSpPr>
+        <a:xfrm>
+          <a:off x="0" y="0"/>
+          <a:ext cx="0" cy="0"/>
+          <a:chOff x="0" y="0"/>
+          <a:chExt cx="0" cy="0"/>
+        </a:xfrm>
+      </p:grpSpPr>
+      <p:sp>
+        <p:nvSpPr>
+          <p:cNvPr id="9" name="Down Arrow 7">
+            <a:extLst>
+              <a:ext uri="{FF2B5EF4-FFF2-40B4-BE49-F238E27FC236}">
+                <a16:creationId xmlns:a16="http://schemas.microsoft.com/office/drawing/2014/main" id="{D4771268-CB57-404A-9271-370EB28F6090}"/>
+              </a:ext>
+              <a:ext uri="{C183D7F6-B498-43B3-948B-1728B52AA6E4}">
+                <adec:decorative xmlns:adec="http://schemas.microsoft.com/office/drawing/2017/decorative" val="1"/>
+              </a:ext>
+            </a:extLst>
+          </p:cNvPr>
+          <p:cNvSpPr>
+            <a:spLocks noGrp="1" noRot="1" noChangeAspect="1" noMove="1" noResize="1" noEditPoints="1" noAdjustHandles="1" noChangeArrowheads="1" noChangeShapeType="1" noTextEdit="1"/>
+          </p:cNvSpPr>
+          <p:nvPr>
+            <p:extLst>
+              <p:ext uri="{386F3935-93C4-4BCD-93E2-E3B085C9AB24}">
+                <p16:designElem xmlns:p16="http://schemas.microsoft.com/office/powerpoint/2015/main" val="1"/>
+              </p:ext>
+            </p:extLst>
+          </p:nvPr>
+        </p:nvSpPr>
+        <p:spPr>
+          <a:xfrm rot="16200000">
+            <a:off x="800100" y="1491343"/>
+            <a:ext cx="3333749" cy="3499103"/>
+          </a:xfrm>
+          <a:prstGeom prst="downArrow">
+            <a:avLst>
+              <a:gd name="adj1" fmla="val 100000"/>
+              <a:gd name="adj2" fmla="val 15788"/>
+            </a:avLst>
+          </a:prstGeom>
+          <a:solidFill>
+            <a:srgbClr val="404040"/>
+          </a:solidFill>
+          <a:ln w="53975">
+            <a:noFill/>
+          </a:ln>
+        </p:spPr>
+        <p:style>
+          <a:lnRef idx="2">
+            <a:schemeClr val="accent1">
+              <a:shade val="50000"/>
+            </a:schemeClr>
+          </a:lnRef>
+          <a:fillRef idx="1">
+            <a:schemeClr val="accent1"/>
+          </a:fillRef>
+          <a:effectRef idx="0">
+            <a:schemeClr val="accent1"/>
+          </a:effectRef>
+          <a:fontRef idx="minor">
+            <a:schemeClr val="lt1"/>
+          </a:fontRef>
+        </p:style>
+        <p:txBody>
+          <a:bodyPr rtlCol="0" anchor="ctr"/>
+          <a:lstStyle/>
+          <a:p>
+            <a:pPr algn="ctr"/>
+            <a:endParaRPr lang="en-US"/>
+          </a:p>
+        </p:txBody>
+      </p:sp>
+      <p:sp>
+        <p:nvSpPr>
+          <p:cNvPr id="2" name="Title 1">
+            <a:extLst>
+              <a:ext uri="{FF2B5EF4-FFF2-40B4-BE49-F238E27FC236}">
+                <a16:creationId xmlns:a16="http://schemas.microsoft.com/office/drawing/2014/main" id="{697C41FA-3D40-D0A3-ECFC-F700FEFE2280}"/>
+              </a:ext>
+            </a:extLst>
+          </p:cNvPr>
+          <p:cNvSpPr>
+            <a:spLocks noGrp="1"/>
+          </p:cNvSpPr>
+          <p:nvPr>
+            <p:ph type="title"/>
+          </p:nvPr>
+        </p:nvSpPr>
+        <p:spPr>
+          <a:xfrm>
+            <a:off x="1028700" y="1967266"/>
+            <a:ext cx="2628900" cy="2547257"/>
+          </a:xfrm>
+          <a:noFill/>
+        </p:spPr>
+        <p:txBody>
+          <a:bodyPr vert="horz" lIns="91440" tIns="45720" rIns="91440" bIns="45720" rtlCol="0" anchor="ctr">
+            <a:normAutofit/>
+          </a:bodyPr>
+          <a:lstStyle/>
+          <a:p>
+            <a:pPr algn="ctr"/>
+            <a:r>
+              <a:rPr lang="en-US" sz="3600" kern="1200">
+                <a:solidFill>
+                  <a:srgbClr val="FFFFFF"/>
+                </a:solidFill>
+                <a:latin typeface="+mj-lt"/>
+                <a:ea typeface="+mj-ea"/>
+                <a:cs typeface="+mj-cs"/>
+              </a:rPr>
+              <a:t>Modern Cloud application are</a:t>
+            </a:r>
+          </a:p>
+        </p:txBody>
+      </p:sp>
+      <p:pic>
+        <p:nvPicPr>
+          <p:cNvPr id="4" name="Picture 3" descr="A blue background with white text&#10;&#10;Description automatically generated">
+            <a:extLst>
+              <a:ext uri="{FF2B5EF4-FFF2-40B4-BE49-F238E27FC236}">
+                <a16:creationId xmlns:a16="http://schemas.microsoft.com/office/drawing/2014/main" id="{6CA5B006-46A2-6AB4-C484-C6B2461AFC8C}"/>
+              </a:ext>
+            </a:extLst>
+          </p:cNvPr>
+          <p:cNvPicPr>
+            <a:picLocks noChangeAspect="1"/>
+          </p:cNvPicPr>
+          <p:nvPr/>
+        </p:nvPicPr>
+        <p:blipFill>
+          <a:blip r:embed="rId2"/>
+          <a:stretch>
+            <a:fillRect/>
+          </a:stretch>
+        </p:blipFill>
+        <p:spPr>
+          <a:xfrm>
+            <a:off x="4777316" y="2097123"/>
+            <a:ext cx="6780700" cy="2661425"/>
+          </a:xfrm>
+          <a:prstGeom prst="rect">
+            <a:avLst/>
+          </a:prstGeom>
+        </p:spPr>
+      </p:pic>
+    </p:spTree>
+    <p:extLst>
+      <p:ext uri="{BB962C8B-B14F-4D97-AF65-F5344CB8AC3E}">
+        <p14:creationId xmlns:p14="http://schemas.microsoft.com/office/powerpoint/2010/main" val="2807191769"/>
+      </p:ext>
+    </p:extLst>
+  </p:cSld>
+  <p:clrMapOvr>
+    <a:masterClrMapping/>
+  </p:clrMapOvr>
+</p:sld>
+</file>
+
 <file path=ppt/slides/slide2.xml><?xml version="1.0" encoding="utf-8"?>
 <p:sld xmlns:a="http://schemas.openxmlformats.org/drawingml/2006/main" xmlns:r="http://schemas.openxmlformats.org/officeDocument/2006/relationships" xmlns:p="http://schemas.openxmlformats.org/presentationml/2006/main">
   <p:cSld>

--- a/lecture-materials/0_architect_related/CloudNative_vs_CloudAgnostic/cloudNative_vs_CloudAgnostic.pptx
+++ b/lecture-materials/0_architect_related/CloudNative_vs_CloudAgnostic/cloudNative_vs_CloudAgnostic.pptx
@@ -1751,10 +1751,10 @@
         <a:lstStyle/>
         <a:p>
           <a:r>
-            <a:rPr lang="en-GB" b="0" i="0"/>
+            <a:rPr lang="en-GB" b="0" i="0" dirty="0"/>
             <a:t>Characteristics: Scalable, elastic, resilient, and agile.</a:t>
           </a:r>
-          <a:endParaRPr lang="en-US"/>
+          <a:endParaRPr lang="en-US" dirty="0"/>
         </a:p>
       </dgm:t>
     </dgm:pt>
@@ -2741,10 +2741,10 @@
         <a:lstStyle/>
         <a:p>
           <a:r>
-            <a:rPr lang="en-GB" b="0" i="0"/>
+            <a:rPr lang="en-GB" b="0" i="0" dirty="0"/>
             <a:t>Designed to work in multi-cloud or hybrid cloud setups without substantial modifications.</a:t>
           </a:r>
-          <a:endParaRPr lang="en-US"/>
+          <a:endParaRPr lang="en-US" dirty="0"/>
         </a:p>
       </dgm:t>
     </dgm:pt>
@@ -2815,10 +2815,10 @@
         <a:lstStyle/>
         <a:p>
           <a:r>
-            <a:rPr lang="en-GB" b="0" i="0"/>
+            <a:rPr lang="en-GB" b="0" i="0" dirty="0"/>
             <a:t>Prefers technologies and platforms that adhere to open standards.</a:t>
           </a:r>
-          <a:endParaRPr lang="en-US"/>
+          <a:endParaRPr lang="en-US" dirty="0"/>
         </a:p>
       </dgm:t>
     </dgm:pt>
@@ -2852,10 +2852,22 @@
         <a:lstStyle/>
         <a:p>
           <a:r>
-            <a:rPr lang="en-GB" b="0" i="0"/>
-            <a:t>Avoids proprietary services and tools to maintain flexibility and avoid vendor lock-in.</a:t>
+            <a:rPr lang="en-GB" b="0" i="0" dirty="0"/>
+            <a:t>Avoids proprietary services and tools to maintain flexibility and avoid </a:t>
           </a:r>
-          <a:endParaRPr lang="en-US"/>
+          <a:r>
+            <a:rPr lang="en-GB" b="0" i="0" dirty="0">
+              <a:highlight>
+                <a:srgbClr val="FFFF00"/>
+              </a:highlight>
+            </a:rPr>
+            <a:t>vendor lock-in</a:t>
+          </a:r>
+          <a:r>
+            <a:rPr lang="en-GB" b="0" i="0" dirty="0"/>
+            <a:t>.</a:t>
+          </a:r>
+          <a:endParaRPr lang="en-US" dirty="0"/>
         </a:p>
       </dgm:t>
     </dgm:pt>
@@ -3387,10 +3399,10 @@
             <a:buChar char="•"/>
           </a:pPr>
           <a:r>
-            <a:rPr lang="en-GB" sz="1200" b="0" i="0" kern="1200"/>
+            <a:rPr lang="en-GB" sz="1200" b="0" i="0" kern="1200" dirty="0"/>
             <a:t>Characteristics: Scalable, elastic, resilient, and agile.</a:t>
           </a:r>
-          <a:endParaRPr lang="en-US" sz="1200" kern="1200"/>
+          <a:endParaRPr lang="en-US" sz="1200" kern="1200" dirty="0"/>
         </a:p>
         <a:p>
           <a:pPr marL="228600" lvl="2" indent="-114300" algn="l" defTabSz="533400">
@@ -4319,10 +4331,10 @@
             <a:buChar char="•"/>
           </a:pPr>
           <a:r>
-            <a:rPr lang="en-GB" sz="1200" b="0" i="0" kern="1200"/>
+            <a:rPr lang="en-GB" sz="1200" b="0" i="0" kern="1200" dirty="0"/>
             <a:t>Designed to work in multi-cloud or hybrid cloud setups without substantial modifications.</a:t>
           </a:r>
-          <a:endParaRPr lang="en-US" sz="1200" kern="1200"/>
+          <a:endParaRPr lang="en-US" sz="1200" kern="1200" dirty="0"/>
         </a:p>
       </dsp:txBody>
       <dsp:txXfrm>
@@ -4497,10 +4509,10 @@
             <a:buChar char="•"/>
           </a:pPr>
           <a:r>
-            <a:rPr lang="en-GB" sz="1200" b="0" i="0" kern="1200"/>
+            <a:rPr lang="en-GB" sz="1200" b="0" i="0" kern="1200" dirty="0"/>
             <a:t>Prefers technologies and platforms that adhere to open standards.</a:t>
           </a:r>
-          <a:endParaRPr lang="en-US" sz="1200" kern="1200"/>
+          <a:endParaRPr lang="en-US" sz="1200" kern="1200" dirty="0"/>
         </a:p>
         <a:p>
           <a:pPr marL="114300" lvl="1" indent="-114300" algn="l" defTabSz="533400">
@@ -4516,10 +4528,22 @@
             <a:buChar char="•"/>
           </a:pPr>
           <a:r>
-            <a:rPr lang="en-GB" sz="1200" b="0" i="0" kern="1200"/>
-            <a:t>Avoids proprietary services and tools to maintain flexibility and avoid vendor lock-in.</a:t>
+            <a:rPr lang="en-GB" sz="1200" b="0" i="0" kern="1200" dirty="0"/>
+            <a:t>Avoids proprietary services and tools to maintain flexibility and avoid </a:t>
           </a:r>
-          <a:endParaRPr lang="en-US" sz="1200" kern="1200"/>
+          <a:r>
+            <a:rPr lang="en-GB" sz="1200" b="0" i="0" kern="1200" dirty="0">
+              <a:highlight>
+                <a:srgbClr val="FFFF00"/>
+              </a:highlight>
+            </a:rPr>
+            <a:t>vendor lock-in</a:t>
+          </a:r>
+          <a:r>
+            <a:rPr lang="en-GB" sz="1200" b="0" i="0" kern="1200" dirty="0"/>
+            <a:t>.</a:t>
+          </a:r>
+          <a:endParaRPr lang="en-US" sz="1200" kern="1200" dirty="0"/>
         </a:p>
       </dsp:txBody>
       <dsp:txXfrm>
@@ -7549,7 +7573,7 @@
           <a:p>
             <a:fld id="{D4570782-5E28-0A41-8AE8-BE27310018EE}" type="datetimeFigureOut">
               <a:rPr lang="en-CH" smtClean="0"/>
-              <a:t>04.12.2023</a:t>
+              <a:t>05.12.2023</a:t>
             </a:fld>
             <a:endParaRPr lang="en-CH"/>
           </a:p>
@@ -7749,7 +7773,7 @@
           <a:p>
             <a:fld id="{D4570782-5E28-0A41-8AE8-BE27310018EE}" type="datetimeFigureOut">
               <a:rPr lang="en-CH" smtClean="0"/>
-              <a:t>04.12.2023</a:t>
+              <a:t>05.12.2023</a:t>
             </a:fld>
             <a:endParaRPr lang="en-CH"/>
           </a:p>
@@ -7959,7 +7983,7 @@
           <a:p>
             <a:fld id="{D4570782-5E28-0A41-8AE8-BE27310018EE}" type="datetimeFigureOut">
               <a:rPr lang="en-CH" smtClean="0"/>
-              <a:t>04.12.2023</a:t>
+              <a:t>05.12.2023</a:t>
             </a:fld>
             <a:endParaRPr lang="en-CH"/>
           </a:p>
@@ -8159,7 +8183,7 @@
           <a:p>
             <a:fld id="{D4570782-5E28-0A41-8AE8-BE27310018EE}" type="datetimeFigureOut">
               <a:rPr lang="en-CH" smtClean="0"/>
-              <a:t>04.12.2023</a:t>
+              <a:t>05.12.2023</a:t>
             </a:fld>
             <a:endParaRPr lang="en-CH"/>
           </a:p>
@@ -8435,7 +8459,7 @@
           <a:p>
             <a:fld id="{D4570782-5E28-0A41-8AE8-BE27310018EE}" type="datetimeFigureOut">
               <a:rPr lang="en-CH" smtClean="0"/>
-              <a:t>04.12.2023</a:t>
+              <a:t>05.12.2023</a:t>
             </a:fld>
             <a:endParaRPr lang="en-CH"/>
           </a:p>
@@ -8703,7 +8727,7 @@
           <a:p>
             <a:fld id="{D4570782-5E28-0A41-8AE8-BE27310018EE}" type="datetimeFigureOut">
               <a:rPr lang="en-CH" smtClean="0"/>
-              <a:t>04.12.2023</a:t>
+              <a:t>05.12.2023</a:t>
             </a:fld>
             <a:endParaRPr lang="en-CH"/>
           </a:p>
@@ -9118,7 +9142,7 @@
           <a:p>
             <a:fld id="{D4570782-5E28-0A41-8AE8-BE27310018EE}" type="datetimeFigureOut">
               <a:rPr lang="en-CH" smtClean="0"/>
-              <a:t>04.12.2023</a:t>
+              <a:t>05.12.2023</a:t>
             </a:fld>
             <a:endParaRPr lang="en-CH"/>
           </a:p>
@@ -9260,7 +9284,7 @@
           <a:p>
             <a:fld id="{D4570782-5E28-0A41-8AE8-BE27310018EE}" type="datetimeFigureOut">
               <a:rPr lang="en-CH" smtClean="0"/>
-              <a:t>04.12.2023</a:t>
+              <a:t>05.12.2023</a:t>
             </a:fld>
             <a:endParaRPr lang="en-CH"/>
           </a:p>
@@ -9373,7 +9397,7 @@
           <a:p>
             <a:fld id="{D4570782-5E28-0A41-8AE8-BE27310018EE}" type="datetimeFigureOut">
               <a:rPr lang="en-CH" smtClean="0"/>
-              <a:t>04.12.2023</a:t>
+              <a:t>05.12.2023</a:t>
             </a:fld>
             <a:endParaRPr lang="en-CH"/>
           </a:p>
@@ -9686,7 +9710,7 @@
           <a:p>
             <a:fld id="{D4570782-5E28-0A41-8AE8-BE27310018EE}" type="datetimeFigureOut">
               <a:rPr lang="en-CH" smtClean="0"/>
-              <a:t>04.12.2023</a:t>
+              <a:t>05.12.2023</a:t>
             </a:fld>
             <a:endParaRPr lang="en-CH"/>
           </a:p>
@@ -9975,7 +9999,7 @@
           <a:p>
             <a:fld id="{D4570782-5E28-0A41-8AE8-BE27310018EE}" type="datetimeFigureOut">
               <a:rPr lang="en-CH" smtClean="0"/>
-              <a:t>04.12.2023</a:t>
+              <a:t>05.12.2023</a:t>
             </a:fld>
             <a:endParaRPr lang="en-CH"/>
           </a:p>
@@ -10218,7 +10242,7 @@
           <a:p>
             <a:fld id="{D4570782-5E28-0A41-8AE8-BE27310018EE}" type="datetimeFigureOut">
               <a:rPr lang="en-CH" smtClean="0"/>
-              <a:t>04.12.2023</a:t>
+              <a:t>05.12.2023</a:t>
             </a:fld>
             <a:endParaRPr lang="en-CH"/>
           </a:p>
@@ -15182,7 +15206,7 @@
             <p:ph idx="1"/>
             <p:extLst>
               <p:ext uri="{D42A27DB-BD31-4B8C-83A1-F6EECF244321}">
-                <p14:modId xmlns:p14="http://schemas.microsoft.com/office/powerpoint/2010/main" val="36441292"/>
+                <p14:modId xmlns:p14="http://schemas.microsoft.com/office/powerpoint/2010/main" val="4286799667"/>
               </p:ext>
             </p:extLst>
           </p:nvPr>
